--- a/otel teoria/Day 1 session 3.1 Instrumentacja z OpenTelemetry.pptx
+++ b/otel teoria/Day 1 session 3.1 Instrumentacja z OpenTelemetry.pptx
@@ -209,7 +209,7 @@
           <a:p>
             <a:fld id="{B6182559-CB5C-D240-A660-003CD22EEEA2}" type="datetimeFigureOut">
               <a:rPr lang="pl-PL" smtClean="0"/>
-              <a:t>1.10.2024</a:t>
+              <a:t>2.10.2024</a:t>
             </a:fld>
             <a:endParaRPr lang="pl-PL"/>
           </a:p>
@@ -656,7 +656,7 @@
           <a:p>
             <a:fld id="{5BCAD085-E8A6-8845-BD4E-CB4CCA059FC4}" type="datetimeFigureOut">
               <a:rPr lang="en-US" smtClean="0"/>
-              <a:t>10/1/24</a:t>
+              <a:t>10/2/24</a:t>
             </a:fld>
             <a:endParaRPr lang="en-US"/>
           </a:p>
@@ -824,7 +824,7 @@
           <a:p>
             <a:fld id="{5BCAD085-E8A6-8845-BD4E-CB4CCA059FC4}" type="datetimeFigureOut">
               <a:rPr lang="en-US" smtClean="0"/>
-              <a:t>10/1/24</a:t>
+              <a:t>10/2/24</a:t>
             </a:fld>
             <a:endParaRPr lang="en-US"/>
           </a:p>
@@ -1002,7 +1002,7 @@
           <a:p>
             <a:fld id="{5BCAD085-E8A6-8845-BD4E-CB4CCA059FC4}" type="datetimeFigureOut">
               <a:rPr lang="en-US" smtClean="0"/>
-              <a:t>10/1/24</a:t>
+              <a:t>10/2/24</a:t>
             </a:fld>
             <a:endParaRPr lang="en-US"/>
           </a:p>
@@ -1170,7 +1170,7 @@
           <a:p>
             <a:fld id="{5BCAD085-E8A6-8845-BD4E-CB4CCA059FC4}" type="datetimeFigureOut">
               <a:rPr lang="en-US" smtClean="0"/>
-              <a:t>10/1/24</a:t>
+              <a:t>10/2/24</a:t>
             </a:fld>
             <a:endParaRPr lang="en-US"/>
           </a:p>
@@ -1415,7 +1415,7 @@
           <a:p>
             <a:fld id="{5BCAD085-E8A6-8845-BD4E-CB4CCA059FC4}" type="datetimeFigureOut">
               <a:rPr lang="en-US" smtClean="0"/>
-              <a:t>10/1/24</a:t>
+              <a:t>10/2/24</a:t>
             </a:fld>
             <a:endParaRPr lang="en-US"/>
           </a:p>
@@ -1700,7 +1700,7 @@
           <a:p>
             <a:fld id="{5BCAD085-E8A6-8845-BD4E-CB4CCA059FC4}" type="datetimeFigureOut">
               <a:rPr lang="en-US" smtClean="0"/>
-              <a:t>10/1/24</a:t>
+              <a:t>10/2/24</a:t>
             </a:fld>
             <a:endParaRPr lang="en-US"/>
           </a:p>
@@ -2119,7 +2119,7 @@
           <a:p>
             <a:fld id="{5BCAD085-E8A6-8845-BD4E-CB4CCA059FC4}" type="datetimeFigureOut">
               <a:rPr lang="en-US" smtClean="0"/>
-              <a:t>10/1/24</a:t>
+              <a:t>10/2/24</a:t>
             </a:fld>
             <a:endParaRPr lang="en-US"/>
           </a:p>
@@ -2236,7 +2236,7 @@
           <a:p>
             <a:fld id="{5BCAD085-E8A6-8845-BD4E-CB4CCA059FC4}" type="datetimeFigureOut">
               <a:rPr lang="en-US" smtClean="0"/>
-              <a:t>10/1/24</a:t>
+              <a:t>10/2/24</a:t>
             </a:fld>
             <a:endParaRPr lang="en-US"/>
           </a:p>
@@ -2331,7 +2331,7 @@
           <a:p>
             <a:fld id="{5BCAD085-E8A6-8845-BD4E-CB4CCA059FC4}" type="datetimeFigureOut">
               <a:rPr lang="en-US" smtClean="0"/>
-              <a:t>10/1/24</a:t>
+              <a:t>10/2/24</a:t>
             </a:fld>
             <a:endParaRPr lang="en-US"/>
           </a:p>
@@ -2606,7 +2606,7 @@
           <a:p>
             <a:fld id="{5BCAD085-E8A6-8845-BD4E-CB4CCA059FC4}" type="datetimeFigureOut">
               <a:rPr lang="en-US" smtClean="0"/>
-              <a:t>10/1/24</a:t>
+              <a:t>10/2/24</a:t>
             </a:fld>
             <a:endParaRPr lang="en-US"/>
           </a:p>
@@ -2858,7 +2858,7 @@
           <a:p>
             <a:fld id="{5BCAD085-E8A6-8845-BD4E-CB4CCA059FC4}" type="datetimeFigureOut">
               <a:rPr lang="en-US" smtClean="0"/>
-              <a:t>10/1/24</a:t>
+              <a:t>10/2/24</a:t>
             </a:fld>
             <a:endParaRPr lang="en-US"/>
           </a:p>
@@ -3069,7 +3069,7 @@
           <a:p>
             <a:fld id="{5BCAD085-E8A6-8845-BD4E-CB4CCA059FC4}" type="datetimeFigureOut">
               <a:rPr lang="en-US" smtClean="0"/>
-              <a:t>10/1/24</a:t>
+              <a:t>10/2/24</a:t>
             </a:fld>
             <a:endParaRPr lang="en-US"/>
           </a:p>
@@ -3456,19 +3456,38 @@
         </p:nvSpPr>
         <p:spPr/>
         <p:txBody>
-          <a:bodyPr/>
-          <a:lstStyle/>
-          <a:p>
-            <a:r>
-              <a:rPr dirty="0" err="1"/>
+          <a:bodyPr>
+            <a:normAutofit fontScale="90000"/>
+          </a:bodyPr>
+          <a:lstStyle/>
+          <a:p>
+            <a:r>
+              <a:rPr lang="en-GB" dirty="0" err="1"/>
               <a:t>Szkolenie</a:t>
             </a:r>
             <a:r>
-              <a:rPr dirty="0"/>
+              <a:rPr lang="en-GB" dirty="0"/>
               <a:t> </a:t>
             </a:r>
-            <a:r>
-              <a:rPr dirty="0" err="1"/>
+            <a:br>
+              <a:rPr lang="en-GB" dirty="0"/>
+            </a:br>
+            <a:br>
+              <a:rPr lang="en-GB" dirty="0"/>
+            </a:br>
+            <a:r>
+              <a:rPr lang="en-GB" dirty="0" err="1"/>
+              <a:t>Instrumentacja</a:t>
+            </a:r>
+            <a:r>
+              <a:rPr lang="en-GB" dirty="0"/>
+              <a:t> </a:t>
+            </a:r>
+            <a:br>
+              <a:rPr lang="en-GB" dirty="0"/>
+            </a:br>
+            <a:r>
+              <a:rPr lang="en-GB" dirty="0"/>
               <a:t>OpenTelemetry</a:t>
             </a:r>
             <a:endParaRPr dirty="0"/>
@@ -3477,7 +3496,13 @@
       </p:sp>
       <p:sp>
         <p:nvSpPr>
-          <p:cNvPr id="3" name="Subtitle 2"/>
+          <p:cNvPr id="5" name="Subtitle 4">
+            <a:extLst>
+              <a:ext uri="{FF2B5EF4-FFF2-40B4-BE49-F238E27FC236}">
+                <a16:creationId xmlns:a16="http://schemas.microsoft.com/office/drawing/2014/main" id="{3A55976C-C77E-9DF2-AFD3-F387F4809326}"/>
+              </a:ext>
+            </a:extLst>
+          </p:cNvPr>
           <p:cNvSpPr>
             <a:spLocks noGrp="1"/>
           </p:cNvSpPr>
@@ -3490,19 +3515,7 @@
           <a:bodyPr/>
           <a:lstStyle/>
           <a:p>
-            <a:r>
-              <a:rPr lang="en-US" dirty="0" err="1"/>
-              <a:t>Instrumentacja</a:t>
-            </a:r>
-            <a:r>
-              <a:rPr lang="en-US" dirty="0"/>
-              <a:t> </a:t>
-            </a:r>
-            <a:r>
-              <a:rPr lang="en-US"/>
-              <a:t>z OpenTelemetry</a:t>
-            </a:r>
-            <a:endParaRPr dirty="0"/>
+            <a:endParaRPr lang="pl-PL"/>
           </a:p>
         </p:txBody>
       </p:sp>
